--- a/Genetic_Algorithm.pptx
+++ b/Genetic_Algorithm.pptx
@@ -120,6 +120,11 @@
       </a:defRPr>
     </a:lvl9pPr>
   </p:defaultTextStyle>
+  <p:extLst>
+    <p:ext uri="{EFAFB233-063F-42B5-8137-9DF3F51BA10A}">
+      <p15:sldGuideLst xmlns:p15="http://schemas.microsoft.com/office/powerpoint/2012/main"/>
+    </p:ext>
+  </p:extLst>
 </p:presentation>
 </file>
 
@@ -5673,7 +5678,7 @@
           </a:lstStyle>
           <a:p>
             <a:r>
-              <a:rPr lang="en-US" sz="2133">
+              <a:rPr lang="en-US" sz="2133" dirty="0">
                 <a:latin typeface="Raleway"/>
               </a:rPr>
               <a:t>core/algorithm/genetic_algorithm.py</a:t>
@@ -5682,39 +5687,33 @@
           <a:p>
             <a:pPr lvl="1"/>
             <a:r>
-              <a:rPr lang="en-US" sz="1867">
+              <a:rPr lang="en-US" sz="1867" dirty="0">
                 <a:latin typeface="Raleway"/>
               </a:rPr>
               <a:t>Saving</a:t>
             </a:r>
-            <a:endParaRPr lang="en-US" sz="1867" dirty="0">
-              <a:latin typeface="Raleway"/>
-            </a:endParaRPr>
           </a:p>
           <a:p>
             <a:pPr lvl="1"/>
             <a:r>
-              <a:rPr lang="en-US" sz="1867">
+              <a:rPr lang="en-US" sz="1867" dirty="0">
                 <a:latin typeface="Raleway"/>
               </a:rPr>
               <a:t>Main loop</a:t>
             </a:r>
-            <a:endParaRPr lang="en-US" sz="1867" dirty="0">
-              <a:latin typeface="Raleway"/>
-            </a:endParaRPr>
-          </a:p>
-          <a:p>
-            <a:r>
-              <a:rPr lang="en-US" sz="2133">
+          </a:p>
+          <a:p>
+            <a:r>
+              <a:rPr lang="en-US" sz="2133" dirty="0">
                 <a:latin typeface="Raleway"/>
               </a:rPr>
-              <a:t>core/algorithm/selectoin/selector.py</a:t>
+              <a:t>core/algorithm/selection/selector.py</a:t>
             </a:r>
             <a:endParaRPr lang="en-US" sz="2133" dirty="0"/>
           </a:p>
           <a:p>
             <a:r>
-              <a:rPr lang="en-US" sz="2133">
+              <a:rPr lang="en-US" sz="2133" dirty="0">
                 <a:latin typeface="Raleway"/>
               </a:rPr>
               <a:t>core/evaluation/evaluator.py</a:t>
@@ -6097,17 +6096,8 @@
               <a:rPr lang="en-US" sz="2133" dirty="0">
                 <a:latin typeface="Raleway"/>
               </a:rPr>
-              <a:t>core/evaluation</a:t>
-            </a:r>
-            <a:r>
-              <a:rPr lang="en-US" sz="2133">
-                <a:latin typeface="Raleway"/>
-              </a:rPr>
-              <a:t>/evaluator.py</a:t>
-            </a:r>
-            <a:endParaRPr lang="en-US" sz="2133" dirty="0">
-              <a:latin typeface="Raleway"/>
-            </a:endParaRPr>
+              <a:t>core/evaluation/tournament_selection.py</a:t>
+            </a:r>
           </a:p>
           <a:p>
             <a:r>
